--- a/AngularWorkshop-16-11-2018.pptx
+++ b/AngularWorkshop-16-11-2018.pptx
@@ -7,25 +7,33 @@
     <p:sldMasterId id="2147483670" r:id="rId4"/>
   </p:sldMasterIdLst>
   <p:notesMasterIdLst>
-    <p:notesMasterId r:id="rId21"/>
+    <p:notesMasterId r:id="rId29"/>
   </p:notesMasterIdLst>
   <p:sldIdLst>
     <p:sldId id="314" r:id="rId5"/>
     <p:sldId id="485" r:id="rId6"/>
     <p:sldId id="484" r:id="rId7"/>
-    <p:sldId id="486" r:id="rId8"/>
-    <p:sldId id="472" r:id="rId9"/>
-    <p:sldId id="477" r:id="rId10"/>
-    <p:sldId id="478" r:id="rId11"/>
-    <p:sldId id="479" r:id="rId12"/>
-    <p:sldId id="475" r:id="rId13"/>
-    <p:sldId id="476" r:id="rId14"/>
-    <p:sldId id="480" r:id="rId15"/>
-    <p:sldId id="482" r:id="rId16"/>
-    <p:sldId id="483" r:id="rId17"/>
-    <p:sldId id="481" r:id="rId18"/>
-    <p:sldId id="465" r:id="rId19"/>
-    <p:sldId id="464" r:id="rId20"/>
+    <p:sldId id="494" r:id="rId8"/>
+    <p:sldId id="486" r:id="rId9"/>
+    <p:sldId id="495" r:id="rId10"/>
+    <p:sldId id="496" r:id="rId11"/>
+    <p:sldId id="472" r:id="rId12"/>
+    <p:sldId id="477" r:id="rId13"/>
+    <p:sldId id="478" r:id="rId14"/>
+    <p:sldId id="479" r:id="rId15"/>
+    <p:sldId id="475" r:id="rId16"/>
+    <p:sldId id="476" r:id="rId17"/>
+    <p:sldId id="480" r:id="rId18"/>
+    <p:sldId id="482" r:id="rId19"/>
+    <p:sldId id="483" r:id="rId20"/>
+    <p:sldId id="481" r:id="rId21"/>
+    <p:sldId id="489" r:id="rId22"/>
+    <p:sldId id="490" r:id="rId23"/>
+    <p:sldId id="491" r:id="rId24"/>
+    <p:sldId id="492" r:id="rId25"/>
+    <p:sldId id="488" r:id="rId26"/>
+    <p:sldId id="465" r:id="rId27"/>
+    <p:sldId id="464" r:id="rId28"/>
   </p:sldIdLst>
   <p:sldSz cx="12192000" cy="6858000"/>
   <p:notesSz cx="6858000" cy="9144000"/>
@@ -6864,12 +6872,7 @@
             <p:ph type="title"/>
           </p:nvPr>
         </p:nvSpPr>
-        <p:spPr>
-          <a:xfrm>
-            <a:off x="299401" y="85261"/>
-            <a:ext cx="8051577" cy="659096"/>
-          </a:xfrm>
-        </p:spPr>
+        <p:spPr/>
         <p:txBody>
           <a:bodyPr/>
           <a:p>
@@ -6893,18 +6896,13 @@
             <p:ph type="body" sz="quarter" idx="13"/>
           </p:nvPr>
         </p:nvSpPr>
-        <p:spPr>
-          <a:xfrm>
-            <a:off x="299400" y="744522"/>
-            <a:ext cx="6228401" cy="513014"/>
-          </a:xfrm>
-        </p:spPr>
+        <p:spPr/>
         <p:txBody>
           <a:bodyPr/>
           <a:p>
             <a:r>
               <a:rPr lang="en-US"/>
-              <a:t>Rule: import-blacklist</a:t>
+              <a:t>Rule: max-line-length</a:t>
             </a:r>
             <a:endParaRPr lang="en-US"/>
           </a:p>
@@ -6918,8 +6916,8 @@
         </p:nvSpPr>
         <p:spPr>
           <a:xfrm>
-            <a:off x="299085" y="1866265"/>
-            <a:ext cx="6622415" cy="1198880"/>
+            <a:off x="299085" y="1540510"/>
+            <a:ext cx="6065520" cy="829945"/>
           </a:xfrm>
           <a:prstGeom prst="rect">
             <a:avLst/>
@@ -6933,8 +6931,11 @@
           <a:p>
             <a:r>
               <a:rPr lang="en-US"/>
-              <a:t>Disallows importing the specified modules directly via import and require. Instead only sub modules may be imported from that module.</a:t>
-            </a:r>
+              <a:t>Requires lines to be under a certain max length.</a:t>
+            </a:r>
+            <a:endParaRPr lang="en-US"/>
+          </a:p>
+          <a:p>
             <a:endParaRPr lang="en-US"/>
           </a:p>
         </p:txBody>
@@ -6947,8 +6948,8 @@
         </p:nvSpPr>
         <p:spPr>
           <a:xfrm>
-            <a:off x="299085" y="3305175"/>
-            <a:ext cx="6089015" cy="1568450"/>
+            <a:off x="299085" y="4556125"/>
+            <a:ext cx="11647805" cy="829945"/>
           </a:xfrm>
           <a:prstGeom prst="rect">
             <a:avLst/>
@@ -6962,7 +6963,7 @@
           <a:p>
             <a:r>
               <a:rPr lang="en-US"/>
-              <a:t>Some libraries allow importing their submodules instead of the entire module. This is good practise as it avoids loading unused modules.</a:t>
+              <a:t>Limiting the length of a line of code improves code readability. It also makes comparing code side-by-side easier and improves compatibility with various editors, IDEs, and diff viewers.</a:t>
             </a:r>
             <a:endParaRPr lang="en-US"/>
           </a:p>
@@ -7009,8 +7010,8 @@
           <a:lstStyle/>
           <a:p>
             <a:r>
-              <a:rPr lang="es-ES" dirty="0" err="1"/>
-              <a:t>Diseño</a:t>
+              <a:rPr lang="es-ES" dirty="0"/>
+              <a:t>Funcionalidad</a:t>
             </a:r>
             <a:endParaRPr lang="es-ES" dirty="0"/>
           </a:p>
@@ -7074,7 +7075,7 @@
           <a:p>
             <a:r>
               <a:rPr lang="en-US"/>
-              <a:t>Rule: max-file-line-count</a:t>
+              <a:t>Rule: curly</a:t>
             </a:r>
             <a:endParaRPr lang="en-US"/>
           </a:p>
@@ -7088,8 +7089,8 @@
         </p:nvSpPr>
         <p:spPr>
           <a:xfrm>
-            <a:off x="299085" y="1563370"/>
-            <a:ext cx="7071360" cy="460375"/>
+            <a:off x="2480310" y="2524760"/>
+            <a:ext cx="2540000" cy="1198880"/>
           </a:xfrm>
           <a:prstGeom prst="rect">
             <a:avLst/>
@@ -7103,22 +7104,36 @@
           <a:p>
             <a:r>
               <a:rPr lang="en-US"/>
-              <a:t>Requires files to remain under a certain number of lines</a:t>
+              <a:t>if (foo === bar)</a:t>
             </a:r>
             <a:endParaRPr lang="en-US"/>
           </a:p>
-        </p:txBody>
-      </p:sp>
-      <p:sp>
-        <p:nvSpPr>
-          <p:cNvPr id="5" name="Text Box 4"/>
+          <a:p>
+            <a:r>
+              <a:rPr lang="en-US"/>
+              <a:t>    foo++;</a:t>
+            </a:r>
+            <a:endParaRPr lang="en-US"/>
+          </a:p>
+          <a:p>
+            <a:r>
+              <a:rPr lang="en-US"/>
+              <a:t>    bar++;</a:t>
+            </a:r>
+            <a:endParaRPr lang="en-US"/>
+          </a:p>
+        </p:txBody>
+      </p:sp>
+      <p:sp>
+        <p:nvSpPr>
+          <p:cNvPr id="6" name="Text Box 5"/>
           <p:cNvSpPr txBox="1"/>
           <p:nvPr/>
         </p:nvSpPr>
         <p:spPr>
           <a:xfrm>
-            <a:off x="299085" y="2585085"/>
-            <a:ext cx="8463915" cy="829945"/>
+            <a:off x="534670" y="1636395"/>
+            <a:ext cx="7231380" cy="460375"/>
           </a:xfrm>
           <a:prstGeom prst="rect">
             <a:avLst/>
@@ -7131,8 +7146,41 @@
           </a:bodyPr>
           <a:p>
             <a:r>
+              <a:rPr lang="es-ES" altLang="en-US"/>
+              <a:t>En</a:t>
+            </a:r>
+            <a:r>
               <a:rPr lang="en-US"/>
-              <a:t>Limiting the number of lines allowed in a file allows files to remain small, single purpose, and maintainable.</a:t>
+              <a:t>forces braces for if/for/do/while statements</a:t>
+            </a:r>
+            <a:endParaRPr lang="en-US"/>
+          </a:p>
+        </p:txBody>
+      </p:sp>
+      <p:sp>
+        <p:nvSpPr>
+          <p:cNvPr id="7" name="Text Box 6"/>
+          <p:cNvSpPr txBox="1"/>
+          <p:nvPr/>
+        </p:nvSpPr>
+        <p:spPr>
+          <a:xfrm>
+            <a:off x="622935" y="4232275"/>
+            <a:ext cx="11252200" cy="1198880"/>
+          </a:xfrm>
+          <a:prstGeom prst="rect">
+            <a:avLst/>
+          </a:prstGeom>
+          <a:noFill/>
+        </p:spPr>
+        <p:txBody>
+          <a:bodyPr wrap="square" rtlCol="0" anchor="t">
+            <a:spAutoFit/>
+          </a:bodyPr>
+          <a:p>
+            <a:r>
+              <a:rPr lang="en-US"/>
+              <a:t>In the code above, the author almost certainly meant for both foo++ and bar++ to be executed only if foo === bar. However, they forgot braces and bar++ will be executed no matter what. This rule could prevent such a mistake.</a:t>
             </a:r>
             <a:endParaRPr lang="en-US"/>
           </a:p>
@@ -7166,7 +7214,12 @@
             <p:ph type="title"/>
           </p:nvPr>
         </p:nvSpPr>
-        <p:spPr/>
+        <p:spPr>
+          <a:xfrm>
+            <a:off x="299401" y="85261"/>
+            <a:ext cx="8051577" cy="659096"/>
+          </a:xfrm>
+        </p:spPr>
         <p:txBody>
           <a:bodyPr/>
           <a:p>
@@ -7190,13 +7243,18 @@
             <p:ph type="body" sz="quarter" idx="13"/>
           </p:nvPr>
         </p:nvSpPr>
-        <p:spPr/>
+        <p:spPr>
+          <a:xfrm>
+            <a:off x="299400" y="744522"/>
+            <a:ext cx="6228401" cy="513014"/>
+          </a:xfrm>
+        </p:spPr>
         <p:txBody>
           <a:bodyPr/>
           <a:p>
             <a:r>
               <a:rPr lang="en-US"/>
-              <a:t>Rule: member-ordering</a:t>
+              <a:t>Rule: import-blacklist</a:t>
             </a:r>
             <a:endParaRPr lang="en-US"/>
           </a:p>
@@ -7210,8 +7268,8 @@
         </p:nvSpPr>
         <p:spPr>
           <a:xfrm>
-            <a:off x="299085" y="1543685"/>
-            <a:ext cx="5852795" cy="460375"/>
+            <a:off x="299085" y="1866265"/>
+            <a:ext cx="6622415" cy="1198880"/>
           </a:xfrm>
           <a:prstGeom prst="rect">
             <a:avLst/>
@@ -7225,7 +7283,7 @@
           <a:p>
             <a:r>
               <a:rPr lang="en-US"/>
-              <a:t>Enforces member ordering.</a:t>
+              <a:t>Disallows importing the specified modules directly via import and require. Instead only sub modules may be imported from that module.</a:t>
             </a:r>
             <a:endParaRPr lang="en-US"/>
           </a:p>
@@ -7239,8 +7297,8 @@
         </p:nvSpPr>
         <p:spPr>
           <a:xfrm>
-            <a:off x="299085" y="3994150"/>
-            <a:ext cx="11784965" cy="1938020"/>
+            <a:off x="299085" y="3305175"/>
+            <a:ext cx="6089015" cy="1568450"/>
           </a:xfrm>
           <a:prstGeom prst="rect">
             <a:avLst/>
@@ -7254,70 +7312,12 @@
           <a:p>
             <a:r>
               <a:rPr lang="en-US"/>
-              <a:t>A consistent ordering for class members can make classes easier to read, navigate, and edit.</a:t>
+              <a:t>Some libraries allow importing their submodules instead of the entire module. This is good practise as it avoids loading unused modules.</a:t>
             </a:r>
             <a:endParaRPr lang="en-US"/>
           </a:p>
-          <a:p>
-            <a:endParaRPr lang="en-US"/>
-          </a:p>
-          <a:p>
-            <a:r>
-              <a:rPr lang="en-US"/>
-              <a:t>A common opposite practice to member-ordering is to keep related groups of classes together. Instead of creating classes with multiple separate groups, consider splitting class responsibilities apart across multiple single-responsibility classes.</a:t>
-            </a:r>
-            <a:endParaRPr lang="en-US"/>
-          </a:p>
-        </p:txBody>
-      </p:sp>
-      <p:pic>
-        <p:nvPicPr>
-          <p:cNvPr id="6" name="Picture 5"/>
-          <p:cNvPicPr>
-            <a:picLocks noChangeAspect="1"/>
-          </p:cNvPicPr>
-          <p:nvPr/>
-        </p:nvPicPr>
-        <p:blipFill>
-          <a:blip r:embed="rId1"/>
-          <a:stretch>
-            <a:fillRect/>
-          </a:stretch>
-        </p:blipFill>
-        <p:spPr>
-          <a:xfrm>
-            <a:off x="1546860" y="2185670"/>
-            <a:ext cx="3733165" cy="1583055"/>
-          </a:xfrm>
-          <a:prstGeom prst="rect">
-            <a:avLst/>
-          </a:prstGeom>
-        </p:spPr>
-      </p:pic>
-      <p:pic>
-        <p:nvPicPr>
-          <p:cNvPr id="7" name="Picture 6"/>
-          <p:cNvPicPr>
-            <a:picLocks noChangeAspect="1"/>
-          </p:cNvPicPr>
-          <p:nvPr/>
-        </p:nvPicPr>
-        <p:blipFill>
-          <a:blip r:embed="rId2"/>
-          <a:stretch>
-            <a:fillRect/>
-          </a:stretch>
-        </p:blipFill>
-        <p:spPr>
-          <a:xfrm>
-            <a:off x="6982460" y="1543685"/>
-            <a:ext cx="2940050" cy="2225040"/>
-          </a:xfrm>
-          <a:prstGeom prst="rect">
-            <a:avLst/>
-          </a:prstGeom>
-        </p:spPr>
-      </p:pic>
+        </p:txBody>
+      </p:sp>
     </p:spTree>
   </p:cSld>
   <p:clrMapOvr>
@@ -7355,13 +7355,18 @@
         </p:nvSpPr>
         <p:spPr/>
         <p:txBody>
-          <a:bodyPr/>
+          <a:bodyPr>
+            <a:normAutofit fontScale="90000"/>
+          </a:bodyPr>
           <a:lstStyle/>
           <a:p>
             <a:r>
-              <a:rPr lang="es-ES" dirty="0" err="1"/>
-              <a:t>xxxxxxxxx</a:t>
-            </a:r>
+              <a:rPr lang="es-ES" dirty="0"/>
+              <a:t>Diseño</a:t>
+            </a:r>
+            <a:br>
+              <a:rPr lang="es-ES" dirty="0"/>
+            </a:br>
             <a:endParaRPr lang="es-ES" dirty="0"/>
           </a:p>
         </p:txBody>
@@ -7375,6 +7380,905 @@
 </file>
 
 <file path=ppt/slides/slide15.xml><?xml version="1.0" encoding="utf-8"?>
+<p:sld xmlns:a="http://schemas.openxmlformats.org/drawingml/2006/main" xmlns:r="http://schemas.openxmlformats.org/officeDocument/2006/relationships" xmlns:p="http://schemas.openxmlformats.org/presentationml/2006/main">
+  <p:cSld>
+    <p:spTree>
+      <p:nvGrpSpPr>
+        <p:cNvPr id="1" name=""/>
+        <p:cNvGrpSpPr/>
+        <p:nvPr/>
+      </p:nvGrpSpPr>
+      <p:grpSpPr/>
+      <p:sp>
+        <p:nvSpPr>
+          <p:cNvPr id="2" name="Title 1"/>
+          <p:cNvSpPr>
+            <a:spLocks noGrp="1"/>
+          </p:cNvSpPr>
+          <p:nvPr>
+            <p:ph type="title"/>
+          </p:nvPr>
+        </p:nvSpPr>
+        <p:spPr/>
+        <p:txBody>
+          <a:bodyPr/>
+          <a:p>
+            <a:r>
+              <a:rPr lang="es-ES" altLang="en-US">
+                <a:sym typeface="+mn-ea"/>
+              </a:rPr>
+              <a:t>TsLint</a:t>
+            </a:r>
+            <a:endParaRPr lang="en-US"/>
+          </a:p>
+        </p:txBody>
+      </p:sp>
+      <p:sp>
+        <p:nvSpPr>
+          <p:cNvPr id="3" name="Text Placeholder 2"/>
+          <p:cNvSpPr>
+            <a:spLocks noGrp="1"/>
+          </p:cNvSpPr>
+          <p:nvPr>
+            <p:ph type="body" sz="quarter" idx="13"/>
+          </p:nvPr>
+        </p:nvSpPr>
+        <p:spPr/>
+        <p:txBody>
+          <a:bodyPr/>
+          <a:p>
+            <a:r>
+              <a:rPr lang="en-US"/>
+              <a:t>Rule: max-file-line-count</a:t>
+            </a:r>
+            <a:endParaRPr lang="en-US"/>
+          </a:p>
+        </p:txBody>
+      </p:sp>
+      <p:sp>
+        <p:nvSpPr>
+          <p:cNvPr id="4" name="Text Box 3"/>
+          <p:cNvSpPr txBox="1"/>
+          <p:nvPr/>
+        </p:nvSpPr>
+        <p:spPr>
+          <a:xfrm>
+            <a:off x="299085" y="1563370"/>
+            <a:ext cx="7071360" cy="460375"/>
+          </a:xfrm>
+          <a:prstGeom prst="rect">
+            <a:avLst/>
+          </a:prstGeom>
+          <a:noFill/>
+        </p:spPr>
+        <p:txBody>
+          <a:bodyPr wrap="square" rtlCol="0" anchor="t">
+            <a:spAutoFit/>
+          </a:bodyPr>
+          <a:p>
+            <a:r>
+              <a:rPr lang="en-US"/>
+              <a:t>Requires files to remain under a certain number of lines</a:t>
+            </a:r>
+            <a:endParaRPr lang="en-US"/>
+          </a:p>
+        </p:txBody>
+      </p:sp>
+      <p:sp>
+        <p:nvSpPr>
+          <p:cNvPr id="5" name="Text Box 4"/>
+          <p:cNvSpPr txBox="1"/>
+          <p:nvPr/>
+        </p:nvSpPr>
+        <p:spPr>
+          <a:xfrm>
+            <a:off x="299085" y="2585085"/>
+            <a:ext cx="8463915" cy="829945"/>
+          </a:xfrm>
+          <a:prstGeom prst="rect">
+            <a:avLst/>
+          </a:prstGeom>
+          <a:noFill/>
+        </p:spPr>
+        <p:txBody>
+          <a:bodyPr wrap="square" rtlCol="0" anchor="t">
+            <a:spAutoFit/>
+          </a:bodyPr>
+          <a:p>
+            <a:r>
+              <a:rPr lang="en-US"/>
+              <a:t>Limiting the number of lines allowed in a file allows files to remain small, single purpose, and maintainable.</a:t>
+            </a:r>
+            <a:endParaRPr lang="en-US"/>
+          </a:p>
+        </p:txBody>
+      </p:sp>
+    </p:spTree>
+  </p:cSld>
+  <p:clrMapOvr>
+    <a:masterClrMapping/>
+  </p:clrMapOvr>
+</p:sld>
+</file>
+
+<file path=ppt/slides/slide16.xml><?xml version="1.0" encoding="utf-8"?>
+<p:sld xmlns:a="http://schemas.openxmlformats.org/drawingml/2006/main" xmlns:r="http://schemas.openxmlformats.org/officeDocument/2006/relationships" xmlns:p="http://schemas.openxmlformats.org/presentationml/2006/main">
+  <p:cSld>
+    <p:spTree>
+      <p:nvGrpSpPr>
+        <p:cNvPr id="1" name=""/>
+        <p:cNvGrpSpPr/>
+        <p:nvPr/>
+      </p:nvGrpSpPr>
+      <p:grpSpPr/>
+      <p:sp>
+        <p:nvSpPr>
+          <p:cNvPr id="2" name="Title 1"/>
+          <p:cNvSpPr>
+            <a:spLocks noGrp="1"/>
+          </p:cNvSpPr>
+          <p:nvPr>
+            <p:ph type="title"/>
+          </p:nvPr>
+        </p:nvSpPr>
+        <p:spPr/>
+        <p:txBody>
+          <a:bodyPr/>
+          <a:p>
+            <a:r>
+              <a:rPr lang="es-ES" altLang="en-US">
+                <a:sym typeface="+mn-ea"/>
+              </a:rPr>
+              <a:t>TsLint</a:t>
+            </a:r>
+            <a:endParaRPr lang="en-US"/>
+          </a:p>
+        </p:txBody>
+      </p:sp>
+      <p:sp>
+        <p:nvSpPr>
+          <p:cNvPr id="3" name="Text Placeholder 2"/>
+          <p:cNvSpPr>
+            <a:spLocks noGrp="1"/>
+          </p:cNvSpPr>
+          <p:nvPr>
+            <p:ph type="body" sz="quarter" idx="13"/>
+          </p:nvPr>
+        </p:nvSpPr>
+        <p:spPr/>
+        <p:txBody>
+          <a:bodyPr/>
+          <a:p>
+            <a:r>
+              <a:rPr lang="en-US"/>
+              <a:t>Rule: member-ordering</a:t>
+            </a:r>
+            <a:endParaRPr lang="en-US"/>
+          </a:p>
+        </p:txBody>
+      </p:sp>
+      <p:sp>
+        <p:nvSpPr>
+          <p:cNvPr id="4" name="Text Box 3"/>
+          <p:cNvSpPr txBox="1"/>
+          <p:nvPr/>
+        </p:nvSpPr>
+        <p:spPr>
+          <a:xfrm>
+            <a:off x="299085" y="1543685"/>
+            <a:ext cx="5852795" cy="460375"/>
+          </a:xfrm>
+          <a:prstGeom prst="rect">
+            <a:avLst/>
+          </a:prstGeom>
+          <a:noFill/>
+        </p:spPr>
+        <p:txBody>
+          <a:bodyPr wrap="square" rtlCol="0" anchor="t">
+            <a:spAutoFit/>
+          </a:bodyPr>
+          <a:p>
+            <a:r>
+              <a:rPr lang="en-US"/>
+              <a:t>Enforces member ordering.</a:t>
+            </a:r>
+            <a:endParaRPr lang="en-US"/>
+          </a:p>
+        </p:txBody>
+      </p:sp>
+      <p:sp>
+        <p:nvSpPr>
+          <p:cNvPr id="5" name="Text Box 4"/>
+          <p:cNvSpPr txBox="1"/>
+          <p:nvPr/>
+        </p:nvSpPr>
+        <p:spPr>
+          <a:xfrm>
+            <a:off x="299085" y="3994150"/>
+            <a:ext cx="11784965" cy="1938020"/>
+          </a:xfrm>
+          <a:prstGeom prst="rect">
+            <a:avLst/>
+          </a:prstGeom>
+          <a:noFill/>
+        </p:spPr>
+        <p:txBody>
+          <a:bodyPr wrap="square" rtlCol="0" anchor="t">
+            <a:spAutoFit/>
+          </a:bodyPr>
+          <a:p>
+            <a:r>
+              <a:rPr lang="en-US"/>
+              <a:t>A consistent ordering for class members can make classes easier to read, navigate, and edit.</a:t>
+            </a:r>
+            <a:endParaRPr lang="en-US"/>
+          </a:p>
+          <a:p>
+            <a:endParaRPr lang="en-US"/>
+          </a:p>
+          <a:p>
+            <a:r>
+              <a:rPr lang="en-US"/>
+              <a:t>A common opposite practice to member-ordering is to keep related groups of classes together. Instead of creating classes with multiple separate groups, consider splitting class responsibilities apart across multiple single-responsibility classes.</a:t>
+            </a:r>
+            <a:endParaRPr lang="en-US"/>
+          </a:p>
+        </p:txBody>
+      </p:sp>
+      <p:pic>
+        <p:nvPicPr>
+          <p:cNvPr id="6" name="Picture 5"/>
+          <p:cNvPicPr>
+            <a:picLocks noChangeAspect="1"/>
+          </p:cNvPicPr>
+          <p:nvPr/>
+        </p:nvPicPr>
+        <p:blipFill>
+          <a:blip r:embed="rId1"/>
+          <a:stretch>
+            <a:fillRect/>
+          </a:stretch>
+        </p:blipFill>
+        <p:spPr>
+          <a:xfrm>
+            <a:off x="1546860" y="2185670"/>
+            <a:ext cx="3733165" cy="1583055"/>
+          </a:xfrm>
+          <a:prstGeom prst="rect">
+            <a:avLst/>
+          </a:prstGeom>
+        </p:spPr>
+      </p:pic>
+      <p:pic>
+        <p:nvPicPr>
+          <p:cNvPr id="7" name="Picture 6"/>
+          <p:cNvPicPr>
+            <a:picLocks noChangeAspect="1"/>
+          </p:cNvPicPr>
+          <p:nvPr/>
+        </p:nvPicPr>
+        <p:blipFill>
+          <a:blip r:embed="rId2"/>
+          <a:stretch>
+            <a:fillRect/>
+          </a:stretch>
+        </p:blipFill>
+        <p:spPr>
+          <a:xfrm>
+            <a:off x="6982460" y="1543685"/>
+            <a:ext cx="2940050" cy="2225040"/>
+          </a:xfrm>
+          <a:prstGeom prst="rect">
+            <a:avLst/>
+          </a:prstGeom>
+        </p:spPr>
+      </p:pic>
+    </p:spTree>
+  </p:cSld>
+  <p:clrMapOvr>
+    <a:masterClrMapping/>
+  </p:clrMapOvr>
+</p:sld>
+</file>
+
+<file path=ppt/slides/slide17.xml><?xml version="1.0" encoding="utf-8"?>
+<p:sld xmlns:a="http://schemas.openxmlformats.org/drawingml/2006/main" xmlns:r="http://schemas.openxmlformats.org/officeDocument/2006/relationships" xmlns:p="http://schemas.openxmlformats.org/presentationml/2006/main">
+  <p:cSld>
+    <p:spTree>
+      <p:nvGrpSpPr>
+        <p:cNvPr id="1" name=""/>
+        <p:cNvGrpSpPr/>
+        <p:nvPr/>
+      </p:nvGrpSpPr>
+      <p:grpSpPr>
+        <a:xfrm>
+          <a:off x="0" y="0"/>
+          <a:ext cx="0" cy="0"/>
+          <a:chOff x="0" y="0"/>
+          <a:chExt cx="0" cy="0"/>
+        </a:xfrm>
+      </p:grpSpPr>
+      <p:sp>
+        <p:nvSpPr>
+          <p:cNvPr id="2" name="Título 1"/>
+          <p:cNvSpPr>
+            <a:spLocks noGrp="1"/>
+          </p:cNvSpPr>
+          <p:nvPr>
+            <p:ph type="title"/>
+          </p:nvPr>
+        </p:nvSpPr>
+        <p:spPr/>
+        <p:txBody>
+          <a:bodyPr>
+            <a:normAutofit fontScale="90000"/>
+          </a:bodyPr>
+          <a:lstStyle/>
+          <a:p>
+            <a:r>
+              <a:rPr lang="es-ES" dirty="0" err="1"/>
+              <a:t>Codelyzer</a:t>
+            </a:r>
+            <a:br>
+              <a:rPr lang="es-ES" dirty="0" err="1"/>
+            </a:br>
+            <a:endParaRPr lang="es-ES" dirty="0"/>
+          </a:p>
+        </p:txBody>
+      </p:sp>
+    </p:spTree>
+  </p:cSld>
+  <p:clrMapOvr>
+    <a:masterClrMapping/>
+  </p:clrMapOvr>
+</p:sld>
+</file>
+
+<file path=ppt/slides/slide18.xml><?xml version="1.0" encoding="utf-8"?>
+<p:sld xmlns:a="http://schemas.openxmlformats.org/drawingml/2006/main" xmlns:r="http://schemas.openxmlformats.org/officeDocument/2006/relationships" xmlns:p="http://schemas.openxmlformats.org/presentationml/2006/main">
+  <p:cSld>
+    <p:spTree>
+      <p:nvGrpSpPr>
+        <p:cNvPr id="1" name=""/>
+        <p:cNvGrpSpPr/>
+        <p:nvPr/>
+      </p:nvGrpSpPr>
+      <p:grpSpPr/>
+      <p:sp>
+        <p:nvSpPr>
+          <p:cNvPr id="2" name="Title 1"/>
+          <p:cNvSpPr>
+            <a:spLocks noGrp="1"/>
+          </p:cNvSpPr>
+          <p:nvPr>
+            <p:ph type="title"/>
+          </p:nvPr>
+        </p:nvSpPr>
+        <p:spPr/>
+        <p:txBody>
+          <a:bodyPr/>
+          <a:p>
+            <a:r>
+              <a:rPr lang="es-ES" altLang="en-US"/>
+              <a:t>Codelyzer</a:t>
+            </a:r>
+            <a:endParaRPr lang="es-ES" altLang="en-US"/>
+          </a:p>
+        </p:txBody>
+      </p:sp>
+      <p:sp>
+        <p:nvSpPr>
+          <p:cNvPr id="3" name="Text Placeholder 2"/>
+          <p:cNvSpPr>
+            <a:spLocks noGrp="1"/>
+          </p:cNvSpPr>
+          <p:nvPr>
+            <p:ph type="body" sz="quarter" idx="13"/>
+          </p:nvPr>
+        </p:nvSpPr>
+        <p:spPr/>
+        <p:txBody>
+          <a:bodyPr/>
+          <a:p>
+            <a:r>
+              <a:rPr lang="es-ES" altLang="en-US"/>
+              <a:t>What is</a:t>
+            </a:r>
+            <a:endParaRPr lang="es-ES" altLang="en-US"/>
+          </a:p>
+        </p:txBody>
+      </p:sp>
+      <p:sp>
+        <p:nvSpPr>
+          <p:cNvPr id="4" name="Text Box 3"/>
+          <p:cNvSpPr txBox="1"/>
+          <p:nvPr/>
+        </p:nvSpPr>
+        <p:spPr>
+          <a:xfrm>
+            <a:off x="1654175" y="2832100"/>
+            <a:ext cx="4730115" cy="460375"/>
+          </a:xfrm>
+          <a:prstGeom prst="rect">
+            <a:avLst/>
+          </a:prstGeom>
+          <a:noFill/>
+        </p:spPr>
+        <p:txBody>
+          <a:bodyPr wrap="square" rtlCol="0">
+            <a:spAutoFit/>
+          </a:bodyPr>
+          <a:p>
+            <a:r>
+              <a:rPr lang="es-ES" altLang="en-US"/>
+              <a:t>Explicacion</a:t>
+            </a:r>
+            <a:endParaRPr lang="es-ES" altLang="en-US"/>
+          </a:p>
+        </p:txBody>
+      </p:sp>
+    </p:spTree>
+  </p:cSld>
+  <p:clrMapOvr>
+    <a:masterClrMapping/>
+  </p:clrMapOvr>
+</p:sld>
+</file>
+
+<file path=ppt/slides/slide19.xml><?xml version="1.0" encoding="utf-8"?>
+<p:sld xmlns:a="http://schemas.openxmlformats.org/drawingml/2006/main" xmlns:r="http://schemas.openxmlformats.org/officeDocument/2006/relationships" xmlns:p="http://schemas.openxmlformats.org/presentationml/2006/main">
+  <p:cSld>
+    <p:spTree>
+      <p:nvGrpSpPr>
+        <p:cNvPr id="1" name=""/>
+        <p:cNvGrpSpPr/>
+        <p:nvPr/>
+      </p:nvGrpSpPr>
+      <p:grpSpPr/>
+      <p:sp>
+        <p:nvSpPr>
+          <p:cNvPr id="2" name="Title 1"/>
+          <p:cNvSpPr>
+            <a:spLocks noGrp="1"/>
+          </p:cNvSpPr>
+          <p:nvPr>
+            <p:ph type="title"/>
+          </p:nvPr>
+        </p:nvSpPr>
+        <p:spPr/>
+        <p:txBody>
+          <a:bodyPr/>
+          <a:p>
+            <a:r>
+              <a:rPr lang="es-ES" altLang="en-US">
+                <a:sym typeface="+mn-ea"/>
+              </a:rPr>
+              <a:t>Codelyzer</a:t>
+            </a:r>
+            <a:endParaRPr lang="en-US"/>
+          </a:p>
+        </p:txBody>
+      </p:sp>
+      <p:sp>
+        <p:nvSpPr>
+          <p:cNvPr id="3" name="Text Placeholder 2"/>
+          <p:cNvSpPr>
+            <a:spLocks noGrp="1"/>
+          </p:cNvSpPr>
+          <p:nvPr>
+            <p:ph type="body" sz="quarter" idx="13"/>
+          </p:nvPr>
+        </p:nvSpPr>
+        <p:spPr/>
+        <p:txBody>
+          <a:bodyPr/>
+          <a:p>
+            <a:r>
+              <a:rPr lang="es-ES" altLang="en-US"/>
+              <a:t>Rule 1</a:t>
+            </a:r>
+            <a:endParaRPr lang="es-ES" altLang="en-US"/>
+          </a:p>
+        </p:txBody>
+      </p:sp>
+    </p:spTree>
+  </p:cSld>
+  <p:clrMapOvr>
+    <a:masterClrMapping/>
+  </p:clrMapOvr>
+</p:sld>
+</file>
+
+<file path=ppt/slides/slide2.xml><?xml version="1.0" encoding="utf-8"?>
+<p:sld xmlns:a="http://schemas.openxmlformats.org/drawingml/2006/main" xmlns:r="http://schemas.openxmlformats.org/officeDocument/2006/relationships" xmlns:p="http://schemas.openxmlformats.org/presentationml/2006/main" showMasterSp="0">
+  <p:cSld>
+    <p:bg>
+      <p:bgPr>
+        <a:solidFill>
+          <a:srgbClr val="173962"/>
+        </a:solidFill>
+        <a:effectLst/>
+      </p:bgPr>
+    </p:bg>
+    <p:spTree>
+      <p:nvGrpSpPr>
+        <p:cNvPr id="1" name=""/>
+        <p:cNvGrpSpPr/>
+        <p:nvPr/>
+      </p:nvGrpSpPr>
+      <p:grpSpPr/>
+      <p:sp>
+        <p:nvSpPr>
+          <p:cNvPr id="2" name="Title 1"/>
+          <p:cNvSpPr>
+            <a:spLocks noGrp="1"/>
+          </p:cNvSpPr>
+          <p:nvPr>
+            <p:ph type="title"/>
+          </p:nvPr>
+        </p:nvSpPr>
+        <p:spPr>
+          <a:xfrm>
+            <a:off x="1487488" y="523903"/>
+            <a:ext cx="7584744" cy="859035"/>
+          </a:xfrm>
+        </p:spPr>
+        <p:txBody>
+          <a:bodyPr>
+            <a:normAutofit fontScale="90000"/>
+          </a:bodyPr>
+          <a:p>
+            <a:r>
+              <a:rPr lang="es-ES" altLang="en-US"/>
+              <a:t>Index</a:t>
+            </a:r>
+            <a:br>
+              <a:rPr lang="es-ES" altLang="en-US"/>
+            </a:br>
+            <a:endParaRPr lang="es-ES" altLang="en-US"/>
+          </a:p>
+        </p:txBody>
+      </p:sp>
+      <p:sp>
+        <p:nvSpPr>
+          <p:cNvPr id="3" name="Text Box 2"/>
+          <p:cNvSpPr txBox="1"/>
+          <p:nvPr/>
+        </p:nvSpPr>
+        <p:spPr>
+          <a:xfrm>
+            <a:off x="1487805" y="4197985"/>
+            <a:ext cx="7585075" cy="1938020"/>
+          </a:xfrm>
+          <a:prstGeom prst="rect">
+            <a:avLst/>
+          </a:prstGeom>
+          <a:noFill/>
+        </p:spPr>
+        <p:txBody>
+          <a:bodyPr wrap="square" rtlCol="0" anchor="t">
+            <a:spAutoFit/>
+          </a:bodyPr>
+          <a:p>
+            <a:pPr marL="457200" indent="-457200">
+              <a:buAutoNum type="arabicPeriod"/>
+            </a:pPr>
+            <a:r>
+              <a:rPr lang="es-ES" altLang="en-US">
+                <a:solidFill>
+                  <a:schemeClr val="bg1"/>
+                </a:solidFill>
+              </a:rPr>
+              <a:t>Best practices in Angular</a:t>
+            </a:r>
+            <a:endParaRPr lang="en-US">
+              <a:solidFill>
+                <a:schemeClr val="bg1"/>
+              </a:solidFill>
+            </a:endParaRPr>
+          </a:p>
+          <a:p>
+            <a:pPr marL="457200" indent="-457200">
+              <a:buAutoNum type="arabicPeriod"/>
+            </a:pPr>
+            <a:r>
+              <a:rPr lang="en-US">
+                <a:solidFill>
+                  <a:schemeClr val="bg1"/>
+                </a:solidFill>
+              </a:rPr>
+              <a:t>Angular CLI</a:t>
+            </a:r>
+            <a:endParaRPr lang="en-US">
+              <a:solidFill>
+                <a:schemeClr val="bg1"/>
+              </a:solidFill>
+            </a:endParaRPr>
+          </a:p>
+          <a:p>
+            <a:pPr marL="457200" indent="-457200">
+              <a:buAutoNum type="arabicPeriod"/>
+            </a:pPr>
+            <a:r>
+              <a:rPr lang="en-US">
+                <a:solidFill>
+                  <a:schemeClr val="bg1"/>
+                </a:solidFill>
+              </a:rPr>
+              <a:t>Documentacion automatizada de proyectos</a:t>
+            </a:r>
+            <a:endParaRPr lang="en-US">
+              <a:solidFill>
+                <a:schemeClr val="bg1"/>
+              </a:solidFill>
+            </a:endParaRPr>
+          </a:p>
+          <a:p>
+            <a:pPr marL="457200" indent="-457200">
+              <a:buAutoNum type="arabicPeriod"/>
+            </a:pPr>
+            <a:r>
+              <a:rPr lang="en-US">
+                <a:solidFill>
+                  <a:schemeClr val="bg1"/>
+                </a:solidFill>
+              </a:rPr>
+              <a:t>Observables</a:t>
+            </a:r>
+            <a:endParaRPr lang="en-US">
+              <a:solidFill>
+                <a:schemeClr val="bg1"/>
+              </a:solidFill>
+            </a:endParaRPr>
+          </a:p>
+          <a:p>
+            <a:pPr marL="457200" indent="-457200">
+              <a:buAutoNum type="arabicPeriod"/>
+            </a:pPr>
+            <a:endParaRPr lang="en-US">
+              <a:solidFill>
+                <a:schemeClr val="bg1"/>
+              </a:solidFill>
+            </a:endParaRPr>
+          </a:p>
+        </p:txBody>
+      </p:sp>
+      <p:pic>
+        <p:nvPicPr>
+          <p:cNvPr id="7" name="Picture 6" descr="Angular_full_color_logo.svg"/>
+          <p:cNvPicPr>
+            <a:picLocks noChangeAspect="1"/>
+          </p:cNvPicPr>
+          <p:nvPr/>
+        </p:nvPicPr>
+        <p:blipFill>
+          <a:blip r:embed="rId1"/>
+          <a:stretch>
+            <a:fillRect/>
+          </a:stretch>
+        </p:blipFill>
+        <p:spPr>
+          <a:xfrm>
+            <a:off x="2824480" y="1382395"/>
+            <a:ext cx="2529205" cy="2529205"/>
+          </a:xfrm>
+          <a:prstGeom prst="rect">
+            <a:avLst/>
+          </a:prstGeom>
+        </p:spPr>
+      </p:pic>
+      <p:pic>
+        <p:nvPicPr>
+          <p:cNvPr id="8" name="Picture 7" descr="typescript"/>
+          <p:cNvPicPr>
+            <a:picLocks noChangeAspect="1"/>
+          </p:cNvPicPr>
+          <p:nvPr/>
+        </p:nvPicPr>
+        <p:blipFill>
+          <a:blip r:embed="rId2"/>
+          <a:stretch>
+            <a:fillRect/>
+          </a:stretch>
+        </p:blipFill>
+        <p:spPr>
+          <a:xfrm>
+            <a:off x="7248525" y="1734820"/>
+            <a:ext cx="1823720" cy="1823720"/>
+          </a:xfrm>
+          <a:prstGeom prst="rect">
+            <a:avLst/>
+          </a:prstGeom>
+        </p:spPr>
+      </p:pic>
+    </p:spTree>
+  </p:cSld>
+  <p:clrMapOvr>
+    <a:masterClrMapping/>
+  </p:clrMapOvr>
+</p:sld>
+</file>
+
+<file path=ppt/slides/slide20.xml><?xml version="1.0" encoding="utf-8"?>
+<p:sld xmlns:a="http://schemas.openxmlformats.org/drawingml/2006/main" xmlns:r="http://schemas.openxmlformats.org/officeDocument/2006/relationships" xmlns:p="http://schemas.openxmlformats.org/presentationml/2006/main">
+  <p:cSld>
+    <p:spTree>
+      <p:nvGrpSpPr>
+        <p:cNvPr id="1" name=""/>
+        <p:cNvGrpSpPr/>
+        <p:nvPr/>
+      </p:nvGrpSpPr>
+      <p:grpSpPr/>
+      <p:sp>
+        <p:nvSpPr>
+          <p:cNvPr id="2" name="Title 1"/>
+          <p:cNvSpPr>
+            <a:spLocks noGrp="1"/>
+          </p:cNvSpPr>
+          <p:nvPr>
+            <p:ph type="title"/>
+          </p:nvPr>
+        </p:nvSpPr>
+        <p:spPr/>
+        <p:txBody>
+          <a:bodyPr/>
+          <a:p>
+            <a:r>
+              <a:rPr lang="es-ES" altLang="en-US">
+                <a:sym typeface="+mn-ea"/>
+              </a:rPr>
+              <a:t>Codelyzer</a:t>
+            </a:r>
+            <a:br>
+              <a:rPr lang="es-ES" altLang="en-US"/>
+            </a:br>
+            <a:endParaRPr lang="en-US"/>
+          </a:p>
+        </p:txBody>
+      </p:sp>
+      <p:sp>
+        <p:nvSpPr>
+          <p:cNvPr id="3" name="Text Placeholder 2"/>
+          <p:cNvSpPr>
+            <a:spLocks noGrp="1"/>
+          </p:cNvSpPr>
+          <p:nvPr>
+            <p:ph type="body" sz="quarter" idx="13"/>
+          </p:nvPr>
+        </p:nvSpPr>
+        <p:spPr/>
+        <p:txBody>
+          <a:bodyPr/>
+          <a:p>
+            <a:r>
+              <a:rPr lang="es-ES" altLang="en-US"/>
+              <a:t>Rule 2</a:t>
+            </a:r>
+            <a:endParaRPr lang="es-ES" altLang="en-US"/>
+          </a:p>
+        </p:txBody>
+      </p:sp>
+    </p:spTree>
+  </p:cSld>
+  <p:clrMapOvr>
+    <a:masterClrMapping/>
+  </p:clrMapOvr>
+</p:sld>
+</file>
+
+<file path=ppt/slides/slide21.xml><?xml version="1.0" encoding="utf-8"?>
+<p:sld xmlns:a="http://schemas.openxmlformats.org/drawingml/2006/main" xmlns:r="http://schemas.openxmlformats.org/officeDocument/2006/relationships" xmlns:p="http://schemas.openxmlformats.org/presentationml/2006/main">
+  <p:cSld>
+    <p:spTree>
+      <p:nvGrpSpPr>
+        <p:cNvPr id="1" name=""/>
+        <p:cNvGrpSpPr/>
+        <p:nvPr/>
+      </p:nvGrpSpPr>
+      <p:grpSpPr/>
+      <p:sp>
+        <p:nvSpPr>
+          <p:cNvPr id="2" name="Title 1"/>
+          <p:cNvSpPr>
+            <a:spLocks noGrp="1"/>
+          </p:cNvSpPr>
+          <p:nvPr>
+            <p:ph type="title"/>
+          </p:nvPr>
+        </p:nvSpPr>
+        <p:spPr/>
+        <p:txBody>
+          <a:bodyPr/>
+          <a:p>
+            <a:r>
+              <a:rPr lang="es-ES" altLang="en-US">
+                <a:sym typeface="+mn-ea"/>
+              </a:rPr>
+              <a:t>Codelyzer</a:t>
+            </a:r>
+            <a:endParaRPr lang="en-US"/>
+          </a:p>
+        </p:txBody>
+      </p:sp>
+      <p:sp>
+        <p:nvSpPr>
+          <p:cNvPr id="3" name="Text Placeholder 2"/>
+          <p:cNvSpPr>
+            <a:spLocks noGrp="1"/>
+          </p:cNvSpPr>
+          <p:nvPr>
+            <p:ph type="body" sz="quarter" idx="13"/>
+          </p:nvPr>
+        </p:nvSpPr>
+        <p:spPr/>
+        <p:txBody>
+          <a:bodyPr/>
+          <a:p>
+            <a:r>
+              <a:rPr lang="es-ES" altLang="en-US"/>
+              <a:t>Rule 3</a:t>
+            </a:r>
+            <a:endParaRPr lang="es-ES" altLang="en-US"/>
+          </a:p>
+        </p:txBody>
+      </p:sp>
+    </p:spTree>
+  </p:cSld>
+  <p:clrMapOvr>
+    <a:masterClrMapping/>
+  </p:clrMapOvr>
+</p:sld>
+</file>
+
+<file path=ppt/slides/slide22.xml><?xml version="1.0" encoding="utf-8"?>
+<p:sld xmlns:a="http://schemas.openxmlformats.org/drawingml/2006/main" xmlns:r="http://schemas.openxmlformats.org/officeDocument/2006/relationships" xmlns:p="http://schemas.openxmlformats.org/presentationml/2006/main">
+  <p:cSld>
+    <p:spTree>
+      <p:nvGrpSpPr>
+        <p:cNvPr id="1" name=""/>
+        <p:cNvGrpSpPr/>
+        <p:nvPr/>
+      </p:nvGrpSpPr>
+      <p:grpSpPr>
+        <a:xfrm>
+          <a:off x="0" y="0"/>
+          <a:ext cx="0" cy="0"/>
+          <a:chOff x="0" y="0"/>
+          <a:chExt cx="0" cy="0"/>
+        </a:xfrm>
+      </p:grpSpPr>
+      <p:sp>
+        <p:nvSpPr>
+          <p:cNvPr id="2" name="Título 1"/>
+          <p:cNvSpPr>
+            <a:spLocks noGrp="1"/>
+          </p:cNvSpPr>
+          <p:nvPr>
+            <p:ph type="title"/>
+          </p:nvPr>
+        </p:nvSpPr>
+        <p:spPr/>
+        <p:txBody>
+          <a:bodyPr/>
+          <a:lstStyle/>
+          <a:p>
+            <a:r>
+              <a:rPr lang="es-ES" dirty="0" err="1"/>
+              <a:t>xxxxxxxxx</a:t>
+            </a:r>
+            <a:endParaRPr lang="es-ES" dirty="0"/>
+          </a:p>
+        </p:txBody>
+      </p:sp>
+    </p:spTree>
+  </p:cSld>
+  <p:clrMapOvr>
+    <a:masterClrMapping/>
+  </p:clrMapOvr>
+</p:sld>
+</file>
+
+<file path=ppt/slides/slide23.xml><?xml version="1.0" encoding="utf-8"?>
 <p:sld xmlns:a="http://schemas.openxmlformats.org/drawingml/2006/main" xmlns:r="http://schemas.openxmlformats.org/officeDocument/2006/relationships" xmlns:p="http://schemas.openxmlformats.org/presentationml/2006/main">
   <p:cSld>
     <p:bg>
@@ -8124,7 +9028,7 @@
 </p:sld>
 </file>
 
-<file path=ppt/slides/slide16.xml><?xml version="1.0" encoding="utf-8"?>
+<file path=ppt/slides/slide24.xml><?xml version="1.0" encoding="utf-8"?>
 <p:sld xmlns:a="http://schemas.openxmlformats.org/drawingml/2006/main" xmlns:r="http://schemas.openxmlformats.org/officeDocument/2006/relationships" xmlns:p="http://schemas.openxmlformats.org/presentationml/2006/main">
   <p:cSld>
     <p:spTree>
@@ -8149,219 +9053,20 @@
 </p:sld>
 </file>
 
-<file path=ppt/slides/slide2.xml><?xml version="1.0" encoding="utf-8"?>
+<file path=ppt/slides/slide3.xml><?xml version="1.0" encoding="utf-8"?>
 <p:sld xmlns:a="http://schemas.openxmlformats.org/drawingml/2006/main" xmlns:r="http://schemas.openxmlformats.org/officeDocument/2006/relationships" xmlns:p="http://schemas.openxmlformats.org/presentationml/2006/main" showMasterSp="0">
   <p:cSld>
     <p:bg>
       <p:bgPr>
-        <a:solidFill>
-          <a:srgbClr val="173962"/>
-        </a:solidFill>
-        <a:effectLst/>
-      </p:bgPr>
-    </p:bg>
-    <p:spTree>
-      <p:nvGrpSpPr>
-        <p:cNvPr id="1" name=""/>
-        <p:cNvGrpSpPr/>
-        <p:nvPr/>
-      </p:nvGrpSpPr>
-      <p:grpSpPr/>
-      <p:sp>
-        <p:nvSpPr>
-          <p:cNvPr id="2" name="Title 1"/>
-          <p:cNvSpPr>
-            <a:spLocks noGrp="1"/>
-          </p:cNvSpPr>
-          <p:nvPr>
-            <p:ph type="title"/>
-          </p:nvPr>
-        </p:nvSpPr>
-        <p:spPr>
-          <a:xfrm>
-            <a:off x="1487488" y="523903"/>
-            <a:ext cx="7584744" cy="859035"/>
-          </a:xfrm>
-        </p:spPr>
-        <p:txBody>
-          <a:bodyPr>
-            <a:normAutofit fontScale="90000"/>
-          </a:bodyPr>
-          <a:p>
-            <a:r>
-              <a:rPr lang="es-ES" altLang="en-US"/>
-              <a:t>Indice</a:t>
-            </a:r>
-            <a:br>
-              <a:rPr lang="es-ES" altLang="en-US"/>
-            </a:br>
-            <a:endParaRPr lang="es-ES" altLang="en-US"/>
-          </a:p>
-        </p:txBody>
-      </p:sp>
-      <p:sp>
-        <p:nvSpPr>
-          <p:cNvPr id="3" name="Text Box 2"/>
-          <p:cNvSpPr txBox="1"/>
-          <p:nvPr/>
-        </p:nvSpPr>
-        <p:spPr>
-          <a:xfrm>
-            <a:off x="1487805" y="4197985"/>
-            <a:ext cx="7585075" cy="1938020"/>
-          </a:xfrm>
-          <a:prstGeom prst="rect">
-            <a:avLst/>
-          </a:prstGeom>
-          <a:noFill/>
-        </p:spPr>
-        <p:txBody>
-          <a:bodyPr wrap="square" rtlCol="0" anchor="t">
-            <a:spAutoFit/>
-          </a:bodyPr>
-          <a:p>
-            <a:pPr marL="457200" indent="-457200">
-              <a:buAutoNum type="arabicPeriod"/>
-            </a:pPr>
-            <a:r>
-              <a:rPr lang="en-US">
-                <a:solidFill>
-                  <a:schemeClr val="bg1"/>
-                </a:solidFill>
-              </a:rPr>
-              <a:t>Buenas prácticas en el desarrollo de Angular</a:t>
-            </a:r>
-            <a:endParaRPr lang="en-US">
-              <a:solidFill>
-                <a:schemeClr val="bg1"/>
-              </a:solidFill>
-            </a:endParaRPr>
-          </a:p>
-          <a:p>
-            <a:pPr marL="457200" indent="-457200">
-              <a:buAutoNum type="arabicPeriod"/>
-            </a:pPr>
-            <a:r>
-              <a:rPr lang="en-US">
-                <a:solidFill>
-                  <a:schemeClr val="bg1"/>
-                </a:solidFill>
-              </a:rPr>
-              <a:t>Angular CLI</a:t>
-            </a:r>
-            <a:endParaRPr lang="en-US">
-              <a:solidFill>
-                <a:schemeClr val="bg1"/>
-              </a:solidFill>
-            </a:endParaRPr>
-          </a:p>
-          <a:p>
-            <a:pPr marL="457200" indent="-457200">
-              <a:buAutoNum type="arabicPeriod"/>
-            </a:pPr>
-            <a:r>
-              <a:rPr lang="en-US">
-                <a:solidFill>
-                  <a:schemeClr val="bg1"/>
-                </a:solidFill>
-              </a:rPr>
-              <a:t>Documentacion automatizada de proyectos</a:t>
-            </a:r>
-            <a:endParaRPr lang="en-US">
-              <a:solidFill>
-                <a:schemeClr val="bg1"/>
-              </a:solidFill>
-            </a:endParaRPr>
-          </a:p>
-          <a:p>
-            <a:pPr marL="457200" indent="-457200">
-              <a:buAutoNum type="arabicPeriod"/>
-            </a:pPr>
-            <a:r>
-              <a:rPr lang="en-US">
-                <a:solidFill>
-                  <a:schemeClr val="bg1"/>
-                </a:solidFill>
-              </a:rPr>
-              <a:t>Observables</a:t>
-            </a:r>
-            <a:endParaRPr lang="en-US">
-              <a:solidFill>
-                <a:schemeClr val="bg1"/>
-              </a:solidFill>
-            </a:endParaRPr>
-          </a:p>
-          <a:p>
-            <a:pPr marL="457200" indent="-457200">
-              <a:buAutoNum type="arabicPeriod"/>
-            </a:pPr>
-            <a:endParaRPr lang="en-US">
-              <a:solidFill>
-                <a:schemeClr val="bg1"/>
-              </a:solidFill>
-            </a:endParaRPr>
-          </a:p>
-        </p:txBody>
-      </p:sp>
-      <p:pic>
-        <p:nvPicPr>
-          <p:cNvPr id="7" name="Picture 6" descr="Angular_full_color_logo.svg"/>
-          <p:cNvPicPr>
-            <a:picLocks noChangeAspect="1"/>
-          </p:cNvPicPr>
-          <p:nvPr/>
-        </p:nvPicPr>
-        <p:blipFill>
+        <a:blipFill rotWithShape="1">
           <a:blip r:embed="rId1"/>
           <a:stretch>
             <a:fillRect/>
           </a:stretch>
-        </p:blipFill>
-        <p:spPr>
-          <a:xfrm>
-            <a:off x="2824480" y="1382395"/>
-            <a:ext cx="2529205" cy="2529205"/>
-          </a:xfrm>
-          <a:prstGeom prst="rect">
-            <a:avLst/>
-          </a:prstGeom>
-        </p:spPr>
-      </p:pic>
-      <p:pic>
-        <p:nvPicPr>
-          <p:cNvPr id="8" name="Picture 7" descr="typescript"/>
-          <p:cNvPicPr>
-            <a:picLocks noChangeAspect="1"/>
-          </p:cNvPicPr>
-          <p:nvPr/>
-        </p:nvPicPr>
-        <p:blipFill>
-          <a:blip r:embed="rId2"/>
-          <a:stretch>
-            <a:fillRect/>
-          </a:stretch>
-        </p:blipFill>
-        <p:spPr>
-          <a:xfrm>
-            <a:off x="7248525" y="1734820"/>
-            <a:ext cx="1823720" cy="1823720"/>
-          </a:xfrm>
-          <a:prstGeom prst="rect">
-            <a:avLst/>
-          </a:prstGeom>
-        </p:spPr>
-      </p:pic>
-    </p:spTree>
-  </p:cSld>
-  <p:clrMapOvr>
-    <a:masterClrMapping/>
-  </p:clrMapOvr>
-</p:sld>
-</file>
-
-<file path=ppt/slides/slide3.xml><?xml version="1.0" encoding="utf-8"?>
-<p:sld xmlns:a="http://schemas.openxmlformats.org/drawingml/2006/main" xmlns:r="http://schemas.openxmlformats.org/officeDocument/2006/relationships" xmlns:p="http://schemas.openxmlformats.org/presentationml/2006/main">
-  <p:cSld>
+        </a:blipFill>
+        <a:effectLst/>
+      </p:bgPr>
+    </p:bg>
     <p:spTree>
       <p:nvGrpSpPr>
         <p:cNvPr id="1" name=""/>
@@ -8388,7 +9093,7 @@
         </p:nvSpPr>
         <p:spPr>
           <a:xfrm>
-            <a:off x="1320165" y="3640455"/>
+            <a:off x="1243330" y="4086225"/>
             <a:ext cx="9552940" cy="858520"/>
           </a:xfrm>
         </p:spPr>
@@ -8399,154 +9104,15 @@
             <a:r>
               <a:rPr lang="es-ES" altLang="es-ES_tradnl" sz="4265" dirty="0">
                 <a:solidFill>
-                  <a:schemeClr val="accent1">
-                    <a:lumMod val="20000"/>
-                    <a:lumOff val="80000"/>
-                  </a:schemeClr>
+                  <a:schemeClr val="tx2"/>
                 </a:solidFill>
               </a:rPr>
-              <a:t>1. Buenas prácticas en el desarrollo de Angular</a:t>
+              <a:t>1. Best practices in Angular</a:t>
             </a:r>
             <a:endParaRPr lang="es-ES" altLang="es-ES_tradnl" sz="4265" dirty="0">
               <a:solidFill>
-                <a:schemeClr val="accent1">
-                  <a:lumMod val="20000"/>
-                  <a:lumOff val="80000"/>
-                </a:schemeClr>
+                <a:schemeClr val="tx2"/>
               </a:solidFill>
-            </a:endParaRPr>
-          </a:p>
-        </p:txBody>
-      </p:sp>
-      <p:sp>
-        <p:nvSpPr>
-          <p:cNvPr id="6" name="2 Marcador de pie de página"/>
-          <p:cNvSpPr txBox="1"/>
-          <p:nvPr/>
-        </p:nvSpPr>
-        <p:spPr>
-          <a:xfrm>
-            <a:off x="4168021" y="4001374"/>
-            <a:ext cx="3857228" cy="363730"/>
-          </a:xfrm>
-          <a:prstGeom prst="rect">
-            <a:avLst/>
-          </a:prstGeom>
-        </p:spPr>
-        <p:txBody>
-          <a:bodyPr vert="horz" lIns="91440" tIns="45720" rIns="91440" bIns="45720" rtlCol="0" anchor="ctr"/>
-          <a:lstStyle>
-            <a:defPPr>
-              <a:defRPr lang="fr-FR"/>
-            </a:defPPr>
-            <a:lvl1pPr marL="0" algn="ctr" defTabSz="1218565" rtl="0" eaLnBrk="1" latinLnBrk="0" hangingPunct="1">
-              <a:defRPr sz="1600" kern="1200">
-                <a:solidFill>
-                  <a:schemeClr val="tx1">
-                    <a:tint val="75000"/>
-                  </a:schemeClr>
-                </a:solidFill>
-                <a:latin typeface="+mn-lt"/>
-                <a:ea typeface="+mn-ea"/>
-                <a:cs typeface="+mn-cs"/>
-              </a:defRPr>
-            </a:lvl1pPr>
-            <a:lvl2pPr marL="609600" algn="l" defTabSz="1218565" rtl="0" eaLnBrk="1" latinLnBrk="0" hangingPunct="1">
-              <a:defRPr sz="2400" kern="1200">
-                <a:solidFill>
-                  <a:schemeClr val="tx1"/>
-                </a:solidFill>
-                <a:latin typeface="+mn-lt"/>
-                <a:ea typeface="+mn-ea"/>
-                <a:cs typeface="+mn-cs"/>
-              </a:defRPr>
-            </a:lvl2pPr>
-            <a:lvl3pPr marL="1218565" algn="l" defTabSz="1218565" rtl="0" eaLnBrk="1" latinLnBrk="0" hangingPunct="1">
-              <a:defRPr sz="2400" kern="1200">
-                <a:solidFill>
-                  <a:schemeClr val="tx1"/>
-                </a:solidFill>
-                <a:latin typeface="+mn-lt"/>
-                <a:ea typeface="+mn-ea"/>
-                <a:cs typeface="+mn-cs"/>
-              </a:defRPr>
-            </a:lvl3pPr>
-            <a:lvl4pPr marL="1828165" algn="l" defTabSz="1218565" rtl="0" eaLnBrk="1" latinLnBrk="0" hangingPunct="1">
-              <a:defRPr sz="2400" kern="1200">
-                <a:solidFill>
-                  <a:schemeClr val="tx1"/>
-                </a:solidFill>
-                <a:latin typeface="+mn-lt"/>
-                <a:ea typeface="+mn-ea"/>
-                <a:cs typeface="+mn-cs"/>
-              </a:defRPr>
-            </a:lvl4pPr>
-            <a:lvl5pPr marL="2437130" algn="l" defTabSz="1218565" rtl="0" eaLnBrk="1" latinLnBrk="0" hangingPunct="1">
-              <a:defRPr sz="2400" kern="1200">
-                <a:solidFill>
-                  <a:schemeClr val="tx1"/>
-                </a:solidFill>
-                <a:latin typeface="+mn-lt"/>
-                <a:ea typeface="+mn-ea"/>
-                <a:cs typeface="+mn-cs"/>
-              </a:defRPr>
-            </a:lvl5pPr>
-            <a:lvl6pPr marL="3046730" algn="l" defTabSz="1218565" rtl="0" eaLnBrk="1" latinLnBrk="0" hangingPunct="1">
-              <a:defRPr sz="2400" kern="1200">
-                <a:solidFill>
-                  <a:schemeClr val="tx1"/>
-                </a:solidFill>
-                <a:latin typeface="+mn-lt"/>
-                <a:ea typeface="+mn-ea"/>
-                <a:cs typeface="+mn-cs"/>
-              </a:defRPr>
-            </a:lvl6pPr>
-            <a:lvl7pPr marL="3656330" algn="l" defTabSz="1218565" rtl="0" eaLnBrk="1" latinLnBrk="0" hangingPunct="1">
-              <a:defRPr sz="2400" kern="1200">
-                <a:solidFill>
-                  <a:schemeClr val="tx1"/>
-                </a:solidFill>
-                <a:latin typeface="+mn-lt"/>
-                <a:ea typeface="+mn-ea"/>
-                <a:cs typeface="+mn-cs"/>
-              </a:defRPr>
-            </a:lvl7pPr>
-            <a:lvl8pPr marL="4265295" algn="l" defTabSz="1218565" rtl="0" eaLnBrk="1" latinLnBrk="0" hangingPunct="1">
-              <a:defRPr sz="2400" kern="1200">
-                <a:solidFill>
-                  <a:schemeClr val="tx1"/>
-                </a:solidFill>
-                <a:latin typeface="+mn-lt"/>
-                <a:ea typeface="+mn-ea"/>
-                <a:cs typeface="+mn-cs"/>
-              </a:defRPr>
-            </a:lvl8pPr>
-            <a:lvl9pPr marL="4874895" algn="l" defTabSz="1218565" rtl="0" eaLnBrk="1" latinLnBrk="0" hangingPunct="1">
-              <a:defRPr sz="2400" kern="1200">
-                <a:solidFill>
-                  <a:schemeClr val="tx1"/>
-                </a:solidFill>
-                <a:latin typeface="+mn-lt"/>
-                <a:ea typeface="+mn-ea"/>
-                <a:cs typeface="+mn-cs"/>
-              </a:defRPr>
-            </a:lvl9pPr>
-          </a:lstStyle>
-          <a:p>
-            <a:pPr>
-              <a:lnSpc>
-                <a:spcPct val="150000"/>
-              </a:lnSpc>
-            </a:pPr>
-            <a:endParaRPr lang="es-ES" sz="1865" b="1" dirty="0">
-              <a:solidFill>
-                <a:schemeClr val="accent1">
-                  <a:lumMod val="20000"/>
-                  <a:lumOff val="80000"/>
-                </a:schemeClr>
-              </a:solidFill>
-              <a:latin typeface="Roboto Light" panose="02000000000000000000" pitchFamily="2" charset="0"/>
-              <a:ea typeface="Roboto Light" panose="02000000000000000000" pitchFamily="2" charset="0"/>
             </a:endParaRPr>
           </a:p>
         </p:txBody>
@@ -8583,11 +9149,7 @@
         <p:txBody>
           <a:bodyPr/>
           <a:p>
-            <a:r>
-              <a:rPr lang="es-ES" altLang="en-US"/>
-              <a:t>TsLint</a:t>
-            </a:r>
-            <a:endParaRPr lang="es-ES" altLang="en-US"/>
+            <a:endParaRPr lang="en-US"/>
           </a:p>
         </p:txBody>
       </p:sp>
@@ -8605,75 +9167,6 @@
         <p:txBody>
           <a:bodyPr/>
           <a:p>
-            <a:r>
-              <a:rPr lang="en-US"/>
-              <a:t>Rule: indent</a:t>
-            </a:r>
-            <a:endParaRPr lang="en-US"/>
-          </a:p>
-        </p:txBody>
-      </p:sp>
-      <p:sp>
-        <p:nvSpPr>
-          <p:cNvPr id="4" name="Text Box 3"/>
-          <p:cNvSpPr txBox="1"/>
-          <p:nvPr/>
-        </p:nvSpPr>
-        <p:spPr>
-          <a:xfrm>
-            <a:off x="299085" y="1496695"/>
-            <a:ext cx="5920740" cy="829945"/>
-          </a:xfrm>
-          <a:prstGeom prst="rect">
-            <a:avLst/>
-          </a:prstGeom>
-          <a:noFill/>
-        </p:spPr>
-        <p:txBody>
-          <a:bodyPr wrap="square" rtlCol="0" anchor="t">
-            <a:spAutoFit/>
-          </a:bodyPr>
-          <a:p>
-            <a:r>
-              <a:rPr lang="es-ES" altLang="en-US"/>
-              <a:t>Guia de estilos ofical de Angular</a:t>
-            </a:r>
-            <a:endParaRPr lang="es-ES" altLang="en-US"/>
-          </a:p>
-          <a:p>
-            <a:r>
-              <a:rPr lang="en-US"/>
-              <a:t>.</a:t>
-            </a:r>
-            <a:endParaRPr lang="en-US"/>
-          </a:p>
-        </p:txBody>
-      </p:sp>
-      <p:sp>
-        <p:nvSpPr>
-          <p:cNvPr id="5" name="Text Box 4"/>
-          <p:cNvSpPr txBox="1"/>
-          <p:nvPr/>
-        </p:nvSpPr>
-        <p:spPr>
-          <a:xfrm>
-            <a:off x="299085" y="4681220"/>
-            <a:ext cx="11640185" cy="829945"/>
-          </a:xfrm>
-          <a:prstGeom prst="rect">
-            <a:avLst/>
-          </a:prstGeom>
-          <a:noFill/>
-        </p:spPr>
-        <p:txBody>
-          <a:bodyPr wrap="square" rtlCol="0" anchor="t">
-            <a:spAutoFit/>
-          </a:bodyPr>
-          <a:p>
-            <a:r>
-              <a:rPr lang="en-US"/>
-              <a:t>Using only one of tabs or spaces for indentation leads to more consistent editor behavior, cleaner diffs in version control, and easier programmatic manipulation.</a:t>
-            </a:r>
             <a:endParaRPr lang="en-US"/>
           </a:p>
         </p:txBody>
@@ -8695,17 +9188,10 @@
         <p:cNvGrpSpPr/>
         <p:nvPr/>
       </p:nvGrpSpPr>
-      <p:grpSpPr>
-        <a:xfrm>
-          <a:off x="0" y="0"/>
-          <a:ext cx="0" cy="0"/>
-          <a:chOff x="0" y="0"/>
-          <a:chExt cx="0" cy="0"/>
-        </a:xfrm>
-      </p:grpSpPr>
-      <p:sp>
-        <p:nvSpPr>
-          <p:cNvPr id="2" name="Título 1"/>
+      <p:grpSpPr/>
+      <p:sp>
+        <p:nvSpPr>
+          <p:cNvPr id="2" name="Title 1"/>
           <p:cNvSpPr>
             <a:spLocks noGrp="1"/>
           </p:cNvSpPr>
@@ -8716,13 +9202,70 @@
         <p:spPr/>
         <p:txBody>
           <a:bodyPr/>
-          <a:lstStyle/>
-          <a:p>
-            <a:r>
-              <a:rPr lang="es-ES" dirty="0" err="1"/>
-              <a:t>Apariencia</a:t>
-            </a:r>
-            <a:endParaRPr lang="es-ES" dirty="0"/>
+          <a:p>
+            <a:r>
+              <a:rPr lang="es-ES" altLang="en-US"/>
+              <a:t>StyleGuide</a:t>
+            </a:r>
+            <a:endParaRPr lang="es-ES" altLang="en-US"/>
+          </a:p>
+        </p:txBody>
+      </p:sp>
+      <p:sp>
+        <p:nvSpPr>
+          <p:cNvPr id="3" name="Text Placeholder 2"/>
+          <p:cNvSpPr>
+            <a:spLocks noGrp="1"/>
+          </p:cNvSpPr>
+          <p:nvPr>
+            <p:ph type="body" sz="quarter" idx="13"/>
+          </p:nvPr>
+        </p:nvSpPr>
+        <p:spPr/>
+        <p:txBody>
+          <a:bodyPr/>
+          <a:p>
+            <a:r>
+              <a:rPr lang="en-US"/>
+              <a:t>Ru</a:t>
+            </a:r>
+            <a:endParaRPr lang="en-US"/>
+          </a:p>
+        </p:txBody>
+      </p:sp>
+      <p:sp>
+        <p:nvSpPr>
+          <p:cNvPr id="4" name="Text Box 3"/>
+          <p:cNvSpPr txBox="1"/>
+          <p:nvPr/>
+        </p:nvSpPr>
+        <p:spPr>
+          <a:xfrm>
+            <a:off x="299085" y="1506855"/>
+            <a:ext cx="5920740" cy="829945"/>
+          </a:xfrm>
+          <a:prstGeom prst="rect">
+            <a:avLst/>
+          </a:prstGeom>
+          <a:noFill/>
+        </p:spPr>
+        <p:txBody>
+          <a:bodyPr wrap="square" rtlCol="0" anchor="t">
+            <a:spAutoFit/>
+          </a:bodyPr>
+          <a:p>
+            <a:r>
+              <a:rPr lang="es-ES" altLang="en-US"/>
+              <a:t>Guia de estilos ofical de Angular</a:t>
+            </a:r>
+            <a:endParaRPr lang="es-ES" altLang="en-US"/>
+          </a:p>
+          <a:p>
+            <a:r>
+              <a:rPr lang="en-US"/>
+              <a:t>.</a:t>
+            </a:r>
+            <a:endParaRPr lang="en-US"/>
           </a:p>
         </p:txBody>
       </p:sp>
@@ -8735,8 +9278,16 @@
 </file>
 
 <file path=ppt/slides/slide6.xml><?xml version="1.0" encoding="utf-8"?>
-<p:sld xmlns:a="http://schemas.openxmlformats.org/drawingml/2006/main" xmlns:r="http://schemas.openxmlformats.org/officeDocument/2006/relationships" xmlns:p="http://schemas.openxmlformats.org/presentationml/2006/main">
+<p:sld xmlns:a="http://schemas.openxmlformats.org/drawingml/2006/main" xmlns:r="http://schemas.openxmlformats.org/officeDocument/2006/relationships" xmlns:p="http://schemas.openxmlformats.org/presentationml/2006/main" showMasterSp="0">
   <p:cSld>
+    <p:bg>
+      <p:bgPr>
+        <a:solidFill>
+          <a:srgbClr val="173962"/>
+        </a:solidFill>
+        <a:effectLst/>
+      </p:bgPr>
+    </p:bg>
     <p:spTree>
       <p:nvGrpSpPr>
         <p:cNvPr id="1" name=""/>
@@ -8754,50 +9305,38 @@
             <p:ph type="title"/>
           </p:nvPr>
         </p:nvSpPr>
-        <p:spPr/>
-        <p:txBody>
-          <a:bodyPr/>
+        <p:spPr>
+          <a:xfrm>
+            <a:off x="1487488" y="523903"/>
+            <a:ext cx="7584744" cy="859035"/>
+          </a:xfrm>
+        </p:spPr>
+        <p:txBody>
+          <a:bodyPr>
+            <a:normAutofit fontScale="90000"/>
+          </a:bodyPr>
           <a:p>
             <a:r>
               <a:rPr lang="es-ES" altLang="en-US"/>
               <a:t>TsLint</a:t>
             </a:r>
+            <a:br>
+              <a:rPr lang="es-ES" altLang="en-US"/>
+            </a:br>
             <a:endParaRPr lang="es-ES" altLang="en-US"/>
           </a:p>
         </p:txBody>
       </p:sp>
       <p:sp>
         <p:nvSpPr>
-          <p:cNvPr id="3" name="Text Placeholder 2"/>
-          <p:cNvSpPr>
-            <a:spLocks noGrp="1"/>
-          </p:cNvSpPr>
-          <p:nvPr>
-            <p:ph type="body" sz="quarter" idx="13"/>
-          </p:nvPr>
-        </p:nvSpPr>
-        <p:spPr/>
-        <p:txBody>
-          <a:bodyPr/>
-          <a:p>
-            <a:r>
-              <a:rPr lang="en-US"/>
-              <a:t>Rule: indent</a:t>
-            </a:r>
-            <a:endParaRPr lang="en-US"/>
-          </a:p>
-        </p:txBody>
-      </p:sp>
-      <p:sp>
-        <p:nvSpPr>
-          <p:cNvPr id="4" name="Text Box 3"/>
+          <p:cNvPr id="3" name="Text Box 2"/>
           <p:cNvSpPr txBox="1"/>
           <p:nvPr/>
         </p:nvSpPr>
         <p:spPr>
           <a:xfrm>
-            <a:off x="299085" y="1466215"/>
-            <a:ext cx="5920740" cy="460375"/>
+            <a:off x="1487805" y="4197985"/>
+            <a:ext cx="7585075" cy="1938020"/>
           </a:xfrm>
           <a:prstGeom prst="rect">
             <a:avLst/>
@@ -8809,43 +9348,137 @@
             <a:spAutoFit/>
           </a:bodyPr>
           <a:p>
-            <a:r>
-              <a:rPr lang="en-US"/>
-              <a:t>Enforces indentation with tabs or spaces.</a:t>
-            </a:r>
-            <a:endParaRPr lang="en-US"/>
-          </a:p>
-        </p:txBody>
-      </p:sp>
-      <p:sp>
-        <p:nvSpPr>
-          <p:cNvPr id="5" name="Text Box 4"/>
-          <p:cNvSpPr txBox="1"/>
+            <a:pPr marL="457200" indent="-457200">
+              <a:buAutoNum type="arabicPeriod"/>
+            </a:pPr>
+            <a:r>
+              <a:rPr lang="es-ES" altLang="en-US">
+                <a:solidFill>
+                  <a:schemeClr val="bg1"/>
+                </a:solidFill>
+              </a:rPr>
+              <a:t>Best practices in Angular</a:t>
+            </a:r>
+            <a:endParaRPr lang="en-US">
+              <a:solidFill>
+                <a:schemeClr val="bg1"/>
+              </a:solidFill>
+            </a:endParaRPr>
+          </a:p>
+          <a:p>
+            <a:pPr marL="457200" indent="-457200">
+              <a:buAutoNum type="arabicPeriod"/>
+            </a:pPr>
+            <a:r>
+              <a:rPr lang="en-US">
+                <a:solidFill>
+                  <a:schemeClr val="bg1"/>
+                </a:solidFill>
+              </a:rPr>
+              <a:t>Angular CLI</a:t>
+            </a:r>
+            <a:endParaRPr lang="en-US">
+              <a:solidFill>
+                <a:schemeClr val="bg1"/>
+              </a:solidFill>
+            </a:endParaRPr>
+          </a:p>
+          <a:p>
+            <a:pPr marL="457200" indent="-457200">
+              <a:buAutoNum type="arabicPeriod"/>
+            </a:pPr>
+            <a:r>
+              <a:rPr lang="en-US">
+                <a:solidFill>
+                  <a:schemeClr val="bg1"/>
+                </a:solidFill>
+              </a:rPr>
+              <a:t>Documentacion automatizada de proyectos</a:t>
+            </a:r>
+            <a:endParaRPr lang="en-US">
+              <a:solidFill>
+                <a:schemeClr val="bg1"/>
+              </a:solidFill>
+            </a:endParaRPr>
+          </a:p>
+          <a:p>
+            <a:pPr marL="457200" indent="-457200">
+              <a:buAutoNum type="arabicPeriod"/>
+            </a:pPr>
+            <a:r>
+              <a:rPr lang="en-US">
+                <a:solidFill>
+                  <a:schemeClr val="bg1"/>
+                </a:solidFill>
+              </a:rPr>
+              <a:t>Observables</a:t>
+            </a:r>
+            <a:endParaRPr lang="en-US">
+              <a:solidFill>
+                <a:schemeClr val="bg1"/>
+              </a:solidFill>
+            </a:endParaRPr>
+          </a:p>
+          <a:p>
+            <a:pPr marL="457200" indent="-457200">
+              <a:buAutoNum type="arabicPeriod"/>
+            </a:pPr>
+            <a:endParaRPr lang="en-US">
+              <a:solidFill>
+                <a:schemeClr val="bg1"/>
+              </a:solidFill>
+            </a:endParaRPr>
+          </a:p>
+        </p:txBody>
+      </p:sp>
+      <p:pic>
+        <p:nvPicPr>
+          <p:cNvPr id="7" name="Picture 6" descr="Angular_full_color_logo.svg"/>
+          <p:cNvPicPr>
+            <a:picLocks noChangeAspect="1"/>
+          </p:cNvPicPr>
           <p:nvPr/>
-        </p:nvSpPr>
-        <p:spPr>
-          <a:xfrm>
-            <a:off x="299085" y="4681220"/>
-            <a:ext cx="11640185" cy="829945"/>
-          </a:xfrm>
-          <a:prstGeom prst="rect">
-            <a:avLst/>
-          </a:prstGeom>
-          <a:noFill/>
-        </p:spPr>
-        <p:txBody>
-          <a:bodyPr wrap="square" rtlCol="0" anchor="t">
-            <a:spAutoFit/>
-          </a:bodyPr>
-          <a:p>
-            <a:r>
-              <a:rPr lang="en-US"/>
-              <a:t>Using only one of tabs or spaces for indentation leads to more consistent editor behavior, cleaner diffs in version control, and easier programmatic manipulation.</a:t>
-            </a:r>
-            <a:endParaRPr lang="en-US"/>
-          </a:p>
-        </p:txBody>
-      </p:sp>
+        </p:nvPicPr>
+        <p:blipFill>
+          <a:blip r:embed="rId1"/>
+          <a:stretch>
+            <a:fillRect/>
+          </a:stretch>
+        </p:blipFill>
+        <p:spPr>
+          <a:xfrm>
+            <a:off x="2824480" y="1382395"/>
+            <a:ext cx="2529205" cy="2529205"/>
+          </a:xfrm>
+          <a:prstGeom prst="rect">
+            <a:avLst/>
+          </a:prstGeom>
+        </p:spPr>
+      </p:pic>
+      <p:pic>
+        <p:nvPicPr>
+          <p:cNvPr id="8" name="Picture 7" descr="typescript"/>
+          <p:cNvPicPr>
+            <a:picLocks noChangeAspect="1"/>
+          </p:cNvPicPr>
+          <p:nvPr/>
+        </p:nvPicPr>
+        <p:blipFill>
+          <a:blip r:embed="rId2"/>
+          <a:stretch>
+            <a:fillRect/>
+          </a:stretch>
+        </p:blipFill>
+        <p:spPr>
+          <a:xfrm>
+            <a:off x="7248525" y="1734820"/>
+            <a:ext cx="1823720" cy="1823720"/>
+          </a:xfrm>
+          <a:prstGeom prst="rect">
+            <a:avLst/>
+          </a:prstGeom>
+        </p:spPr>
+      </p:pic>
     </p:spTree>
   </p:cSld>
   <p:clrMapOvr>
@@ -8878,12 +9511,6 @@
         <p:txBody>
           <a:bodyPr/>
           <a:p>
-            <a:r>
-              <a:rPr lang="es-ES" altLang="en-US">
-                <a:sym typeface="+mn-ea"/>
-              </a:rPr>
-              <a:t>TsLint</a:t>
-            </a:r>
             <a:endParaRPr lang="en-US"/>
           </a:p>
         </p:txBody>
@@ -8902,71 +9529,6 @@
         <p:txBody>
           <a:bodyPr/>
           <a:p>
-            <a:r>
-              <a:rPr lang="en-US"/>
-              <a:t>Rule: max-line-length</a:t>
-            </a:r>
-            <a:endParaRPr lang="en-US"/>
-          </a:p>
-        </p:txBody>
-      </p:sp>
-      <p:sp>
-        <p:nvSpPr>
-          <p:cNvPr id="4" name="Text Box 3"/>
-          <p:cNvSpPr txBox="1"/>
-          <p:nvPr/>
-        </p:nvSpPr>
-        <p:spPr>
-          <a:xfrm>
-            <a:off x="299085" y="1540510"/>
-            <a:ext cx="6065520" cy="829945"/>
-          </a:xfrm>
-          <a:prstGeom prst="rect">
-            <a:avLst/>
-          </a:prstGeom>
-          <a:noFill/>
-        </p:spPr>
-        <p:txBody>
-          <a:bodyPr wrap="square" rtlCol="0" anchor="t">
-            <a:spAutoFit/>
-          </a:bodyPr>
-          <a:p>
-            <a:r>
-              <a:rPr lang="en-US"/>
-              <a:t>Requires lines to be under a certain max length.</a:t>
-            </a:r>
-            <a:endParaRPr lang="en-US"/>
-          </a:p>
-          <a:p>
-            <a:endParaRPr lang="en-US"/>
-          </a:p>
-        </p:txBody>
-      </p:sp>
-      <p:sp>
-        <p:nvSpPr>
-          <p:cNvPr id="5" name="Text Box 4"/>
-          <p:cNvSpPr txBox="1"/>
-          <p:nvPr/>
-        </p:nvSpPr>
-        <p:spPr>
-          <a:xfrm>
-            <a:off x="299085" y="4556125"/>
-            <a:ext cx="11647805" cy="829945"/>
-          </a:xfrm>
-          <a:prstGeom prst="rect">
-            <a:avLst/>
-          </a:prstGeom>
-          <a:noFill/>
-        </p:spPr>
-        <p:txBody>
-          <a:bodyPr wrap="square" rtlCol="0" anchor="t">
-            <a:spAutoFit/>
-          </a:bodyPr>
-          <a:p>
-            <a:r>
-              <a:rPr lang="en-US"/>
-              <a:t>Limiting the length of a line of code improves code readability. It also makes comparing code side-by-side easier and improves compatibility with various editors, IDEs, and diff viewers.</a:t>
-            </a:r>
             <a:endParaRPr lang="en-US"/>
           </a:p>
         </p:txBody>
@@ -9012,8 +9574,8 @@
           <a:lstStyle/>
           <a:p>
             <a:r>
-              <a:rPr lang="es-ES" dirty="0"/>
-              <a:t>Funcionalidad</a:t>
+              <a:rPr lang="es-ES" dirty="0" err="1"/>
+              <a:t>Apariencia</a:t>
             </a:r>
             <a:endParaRPr lang="es-ES" dirty="0"/>
           </a:p>
@@ -9052,12 +9614,10 @@
           <a:bodyPr/>
           <a:p>
             <a:r>
-              <a:rPr lang="es-ES" altLang="en-US">
-                <a:sym typeface="+mn-ea"/>
-              </a:rPr>
+              <a:rPr lang="es-ES" altLang="en-US"/>
               <a:t>TsLint</a:t>
             </a:r>
-            <a:endParaRPr lang="en-US"/>
+            <a:endParaRPr lang="es-ES" altLang="en-US"/>
           </a:p>
         </p:txBody>
       </p:sp>
@@ -9077,7 +9637,7 @@
           <a:p>
             <a:r>
               <a:rPr lang="en-US"/>
-              <a:t>Rule: curly</a:t>
+              <a:t>Rule: indent</a:t>
             </a:r>
             <a:endParaRPr lang="en-US"/>
           </a:p>
@@ -9091,8 +9651,8 @@
         </p:nvSpPr>
         <p:spPr>
           <a:xfrm>
-            <a:off x="2480310" y="2524760"/>
-            <a:ext cx="2540000" cy="1198880"/>
+            <a:off x="299085" y="1466215"/>
+            <a:ext cx="5920740" cy="460375"/>
           </a:xfrm>
           <a:prstGeom prst="rect">
             <a:avLst/>
@@ -9106,36 +9666,22 @@
           <a:p>
             <a:r>
               <a:rPr lang="en-US"/>
-              <a:t>if (foo === bar)</a:t>
+              <a:t>Enforces indentation with tabs or spaces.</a:t>
             </a:r>
             <a:endParaRPr lang="en-US"/>
           </a:p>
-          <a:p>
-            <a:r>
-              <a:rPr lang="en-US"/>
-              <a:t>    foo++;</a:t>
-            </a:r>
-            <a:endParaRPr lang="en-US"/>
-          </a:p>
-          <a:p>
-            <a:r>
-              <a:rPr lang="en-US"/>
-              <a:t>    bar++;</a:t>
-            </a:r>
-            <a:endParaRPr lang="en-US"/>
-          </a:p>
-        </p:txBody>
-      </p:sp>
-      <p:sp>
-        <p:nvSpPr>
-          <p:cNvPr id="6" name="Text Box 5"/>
+        </p:txBody>
+      </p:sp>
+      <p:sp>
+        <p:nvSpPr>
+          <p:cNvPr id="5" name="Text Box 4"/>
           <p:cNvSpPr txBox="1"/>
           <p:nvPr/>
         </p:nvSpPr>
         <p:spPr>
           <a:xfrm>
-            <a:off x="534670" y="1636395"/>
-            <a:ext cx="7231380" cy="460375"/>
+            <a:off x="299085" y="4681220"/>
+            <a:ext cx="11640185" cy="829945"/>
           </a:xfrm>
           <a:prstGeom prst="rect">
             <a:avLst/>
@@ -9148,41 +9694,8 @@
           </a:bodyPr>
           <a:p>
             <a:r>
-              <a:rPr lang="es-ES" altLang="en-US"/>
-              <a:t>En</a:t>
-            </a:r>
-            <a:r>
               <a:rPr lang="en-US"/>
-              <a:t>forces braces for if/for/do/while statements</a:t>
-            </a:r>
-            <a:endParaRPr lang="en-US"/>
-          </a:p>
-        </p:txBody>
-      </p:sp>
-      <p:sp>
-        <p:nvSpPr>
-          <p:cNvPr id="7" name="Text Box 6"/>
-          <p:cNvSpPr txBox="1"/>
-          <p:nvPr/>
-        </p:nvSpPr>
-        <p:spPr>
-          <a:xfrm>
-            <a:off x="622935" y="4232275"/>
-            <a:ext cx="11252200" cy="1198880"/>
-          </a:xfrm>
-          <a:prstGeom prst="rect">
-            <a:avLst/>
-          </a:prstGeom>
-          <a:noFill/>
-        </p:spPr>
-        <p:txBody>
-          <a:bodyPr wrap="square" rtlCol="0" anchor="t">
-            <a:spAutoFit/>
-          </a:bodyPr>
-          <a:p>
-            <a:r>
-              <a:rPr lang="en-US"/>
-              <a:t>In the code above, the author almost certainly meant for both foo++ and bar++ to be executed only if foo === bar. However, they forgot braces and bar++ will be executed no matter what. This rule could prevent such a mistake.</a:t>
+              <a:t>Using only one of tabs or spaces for indentation leads to more consistent editor behavior, cleaner diffs in version control, and easier programmatic manipulation.</a:t>
             </a:r>
             <a:endParaRPr lang="en-US"/>
           </a:p>
